--- a/자료/자료/03.멀티쓰레딩.pptx
+++ b/자료/자료/03.멀티쓰레딩.pptx
@@ -1628,7 +1628,7 @@
           <a:p>
             <a:fld id="{0C4D250C-2A37-47FE-BFD2-17C54EAC9FC1}" type="datetimeFigureOut">
               <a:rPr lang="ko-KR" altLang="en-US" smtClean="0"/>
-              <a:t>2025-09-11</a:t>
+              <a:t>2025-09-15</a:t>
             </a:fld>
             <a:endParaRPr lang="ko-KR" altLang="en-US"/>
           </a:p>
@@ -3597,9 +3597,9 @@
           <a:bodyPr/>
           <a:lstStyle/>
           <a:p>
-            <a:fld id="{303C5F93-DBD8-475E-B5C0-664EF94AA899}" type="slidenum">
+            <a:fld id="{8117F77C-B6CF-421A-8449-9463AD185C30}" type="slidenum">
               <a:rPr lang="ko-KR" altLang="en-US" smtClean="0"/>
-              <a:t>33</a:t>
+              <a:t>29</a:t>
             </a:fld>
             <a:endParaRPr lang="ko-KR" altLang="en-US"/>
           </a:p>
@@ -3608,7 +3608,7 @@
     </p:spTree>
     <p:extLst>
       <p:ext uri="{BB962C8B-B14F-4D97-AF65-F5344CB8AC3E}">
-        <p14:creationId xmlns:p14="http://schemas.microsoft.com/office/powerpoint/2010/main" val="2456122665"/>
+        <p14:creationId xmlns:p14="http://schemas.microsoft.com/office/powerpoint/2010/main" val="1414491762"/>
       </p:ext>
     </p:extLst>
   </p:cSld>
@@ -3662,7 +3662,115 @@
           <a:bodyPr/>
           <a:lstStyle/>
           <a:p>
-            <a:endParaRPr lang="ko-KR" altLang="en-US" dirty="0"/>
+            <a:r>
+              <a:rPr lang="ko-KR" altLang="en-US" dirty="0"/>
+              <a:t>전체적인 프로그램이 어떻게 실행되는 지</a:t>
+            </a:r>
+            <a:endParaRPr lang="en-US" altLang="ko-KR" dirty="0"/>
+          </a:p>
+          <a:p>
+            <a:endParaRPr lang="en-US" altLang="ko-KR" dirty="0"/>
+          </a:p>
+          <a:p>
+            <a:r>
+              <a:rPr lang="ko-KR" altLang="en-US" dirty="0"/>
+              <a:t>폰 </a:t>
+            </a:r>
+            <a:r>
+              <a:rPr lang="ko-KR" altLang="en-US" dirty="0" err="1"/>
+              <a:t>노이만</a:t>
+            </a:r>
+            <a:r>
+              <a:rPr lang="ko-KR" altLang="en-US" dirty="0"/>
+              <a:t> 구조 </a:t>
+            </a:r>
+            <a:endParaRPr lang="en-US" altLang="ko-KR" dirty="0"/>
+          </a:p>
+          <a:p>
+            <a:endParaRPr lang="en-US" altLang="ko-KR" dirty="0"/>
+          </a:p>
+          <a:p>
+            <a:r>
+              <a:rPr lang="en-US" altLang="ko-KR" dirty="0"/>
+              <a:t>High middle</a:t>
+            </a:r>
+            <a:r>
+              <a:rPr lang="ko-KR" altLang="en-US" dirty="0"/>
+              <a:t> </a:t>
+            </a:r>
+            <a:r>
+              <a:rPr lang="en-US" altLang="ko-KR" dirty="0"/>
+              <a:t>low</a:t>
+            </a:r>
+            <a:r>
+              <a:rPr lang="ko-KR" altLang="en-US" dirty="0"/>
+              <a:t> 우선 순위 </a:t>
+            </a:r>
+            <a:endParaRPr lang="en-US" altLang="ko-KR" dirty="0"/>
+          </a:p>
+          <a:p>
+            <a:endParaRPr lang="en-US" altLang="ko-KR" dirty="0"/>
+          </a:p>
+          <a:p>
+            <a:r>
+              <a:rPr lang="en-US" altLang="ko-KR" dirty="0"/>
+              <a:t>High</a:t>
+            </a:r>
+            <a:r>
+              <a:rPr lang="ko-KR" altLang="en-US" dirty="0"/>
+              <a:t>가 둘아가면 다른 것들은 돌아가지 않음 </a:t>
+            </a:r>
+            <a:endParaRPr lang="en-US" altLang="ko-KR" dirty="0"/>
+          </a:p>
+          <a:p>
+            <a:endParaRPr lang="en-US" altLang="ko-KR" dirty="0"/>
+          </a:p>
+          <a:p>
+            <a:r>
+              <a:rPr lang="en-US" altLang="ko-KR" dirty="0"/>
+              <a:t>Io</a:t>
+            </a:r>
+            <a:r>
+              <a:rPr lang="ko-KR" altLang="en-US" dirty="0"/>
+              <a:t>가 일어나서 잠깐 쉬는 경우 우선순위가 낮은 것이 실행</a:t>
+            </a:r>
+            <a:endParaRPr lang="en-US" altLang="ko-KR" dirty="0"/>
+          </a:p>
+          <a:p>
+            <a:endParaRPr lang="en-US" altLang="ko-KR" dirty="0"/>
+          </a:p>
+          <a:p>
+            <a:r>
+              <a:rPr lang="ko-KR" altLang="en-US" dirty="0" err="1"/>
+              <a:t>스케쥴러는</a:t>
+            </a:r>
+            <a:r>
+              <a:rPr lang="ko-KR" altLang="en-US" dirty="0"/>
+              <a:t> 문맥교환이 최대한으로 적어지게 </a:t>
+            </a:r>
+            <a:r>
+              <a:rPr lang="ko-KR" altLang="en-US" dirty="0" err="1"/>
+              <a:t>돌아감</a:t>
+            </a:r>
+            <a:r>
+              <a:rPr lang="ko-KR" altLang="en-US" dirty="0"/>
+              <a:t> </a:t>
+            </a:r>
+            <a:endParaRPr lang="en-US" altLang="ko-KR" dirty="0"/>
+          </a:p>
+          <a:p>
+            <a:endParaRPr lang="en-US" altLang="ko-KR" dirty="0"/>
+          </a:p>
+          <a:p>
+            <a:r>
+              <a:rPr lang="ko-KR" altLang="en-US" dirty="0"/>
+              <a:t>문맥 교환이 많아지면 컴퓨터가 </a:t>
+            </a:r>
+            <a:r>
+              <a:rPr lang="ko-KR" altLang="en-US" dirty="0" err="1"/>
+              <a:t>느려짐</a:t>
+            </a:r>
+            <a:endParaRPr lang="en-US" altLang="ko-KR" dirty="0"/>
           </a:p>
         </p:txBody>
       </p:sp>
@@ -3681,9 +3789,9 @@
           <a:bodyPr/>
           <a:lstStyle/>
           <a:p>
-            <a:fld id="{303C5F93-DBD8-475E-B5C0-664EF94AA899}" type="slidenum">
+            <a:fld id="{8117F77C-B6CF-421A-8449-9463AD185C30}" type="slidenum">
               <a:rPr lang="ko-KR" altLang="en-US" smtClean="0"/>
-              <a:t>43</a:t>
+              <a:t>30</a:t>
             </a:fld>
             <a:endParaRPr lang="ko-KR" altLang="en-US"/>
           </a:p>
@@ -3692,7 +3800,441 @@
     </p:spTree>
     <p:extLst>
       <p:ext uri="{BB962C8B-B14F-4D97-AF65-F5344CB8AC3E}">
-        <p14:creationId xmlns:p14="http://schemas.microsoft.com/office/powerpoint/2010/main" val="422574836"/>
+        <p14:creationId xmlns:p14="http://schemas.microsoft.com/office/powerpoint/2010/main" val="3547766080"/>
+      </p:ext>
+    </p:extLst>
+  </p:cSld>
+  <p:clrMapOvr>
+    <a:masterClrMapping/>
+  </p:clrMapOvr>
+</p:notes>
+</file>
+
+<file path=ppt/notesSlides/notesSlide26.xml><?xml version="1.0" encoding="utf-8"?>
+<p:notes xmlns:a="http://schemas.openxmlformats.org/drawingml/2006/main" xmlns:r="http://schemas.openxmlformats.org/officeDocument/2006/relationships" xmlns:p="http://schemas.openxmlformats.org/presentationml/2006/main">
+  <p:cSld>
+    <p:spTree>
+      <p:nvGrpSpPr>
+        <p:cNvPr id="1" name=""/>
+        <p:cNvGrpSpPr/>
+        <p:nvPr/>
+      </p:nvGrpSpPr>
+      <p:grpSpPr>
+        <a:xfrm>
+          <a:off x="0" y="0"/>
+          <a:ext cx="0" cy="0"/>
+          <a:chOff x="0" y="0"/>
+          <a:chExt cx="0" cy="0"/>
+        </a:xfrm>
+      </p:grpSpPr>
+      <p:sp>
+        <p:nvSpPr>
+          <p:cNvPr id="2" name="슬라이드 이미지 개체 틀 1"/>
+          <p:cNvSpPr>
+            <a:spLocks noGrp="1" noRot="1" noChangeAspect="1"/>
+          </p:cNvSpPr>
+          <p:nvPr>
+            <p:ph type="sldImg"/>
+          </p:nvPr>
+        </p:nvSpPr>
+        <p:spPr/>
+      </p:sp>
+      <p:sp>
+        <p:nvSpPr>
+          <p:cNvPr id="3" name="슬라이드 노트 개체 틀 2"/>
+          <p:cNvSpPr>
+            <a:spLocks noGrp="1"/>
+          </p:cNvSpPr>
+          <p:nvPr>
+            <p:ph type="body" idx="1"/>
+          </p:nvPr>
+        </p:nvSpPr>
+        <p:spPr/>
+        <p:txBody>
+          <a:bodyPr/>
+          <a:lstStyle/>
+          <a:p>
+            <a:r>
+              <a:rPr lang="en-US" altLang="ko-KR" dirty="0" err="1"/>
+              <a:t>Cpu</a:t>
+            </a:r>
+            <a:r>
+              <a:rPr lang="ko-KR" altLang="en-US" dirty="0"/>
+              <a:t>를 모두 활용해야 할 경우 </a:t>
+            </a:r>
+            <a:endParaRPr lang="en-US" altLang="ko-KR" dirty="0"/>
+          </a:p>
+          <a:p>
+            <a:r>
+              <a:rPr lang="ko-KR" altLang="en-US" dirty="0"/>
+              <a:t> </a:t>
+            </a:r>
+            <a:endParaRPr lang="en-US" altLang="ko-KR" dirty="0"/>
+          </a:p>
+        </p:txBody>
+      </p:sp>
+      <p:sp>
+        <p:nvSpPr>
+          <p:cNvPr id="4" name="슬라이드 번호 개체 틀 3"/>
+          <p:cNvSpPr>
+            <a:spLocks noGrp="1"/>
+          </p:cNvSpPr>
+          <p:nvPr>
+            <p:ph type="sldNum" sz="quarter" idx="5"/>
+          </p:nvPr>
+        </p:nvSpPr>
+        <p:spPr/>
+        <p:txBody>
+          <a:bodyPr/>
+          <a:lstStyle/>
+          <a:p>
+            <a:fld id="{8117F77C-B6CF-421A-8449-9463AD185C30}" type="slidenum">
+              <a:rPr lang="ko-KR" altLang="en-US" smtClean="0"/>
+              <a:t>31</a:t>
+            </a:fld>
+            <a:endParaRPr lang="ko-KR" altLang="en-US"/>
+          </a:p>
+        </p:txBody>
+      </p:sp>
+    </p:spTree>
+    <p:extLst>
+      <p:ext uri="{BB962C8B-B14F-4D97-AF65-F5344CB8AC3E}">
+        <p14:creationId xmlns:p14="http://schemas.microsoft.com/office/powerpoint/2010/main" val="942901234"/>
+      </p:ext>
+    </p:extLst>
+  </p:cSld>
+  <p:clrMapOvr>
+    <a:masterClrMapping/>
+  </p:clrMapOvr>
+</p:notes>
+</file>
+
+<file path=ppt/notesSlides/notesSlide27.xml><?xml version="1.0" encoding="utf-8"?>
+<p:notes xmlns:a="http://schemas.openxmlformats.org/drawingml/2006/main" xmlns:r="http://schemas.openxmlformats.org/officeDocument/2006/relationships" xmlns:p="http://schemas.openxmlformats.org/presentationml/2006/main">
+  <p:cSld>
+    <p:spTree>
+      <p:nvGrpSpPr>
+        <p:cNvPr id="1" name=""/>
+        <p:cNvGrpSpPr/>
+        <p:nvPr/>
+      </p:nvGrpSpPr>
+      <p:grpSpPr>
+        <a:xfrm>
+          <a:off x="0" y="0"/>
+          <a:ext cx="0" cy="0"/>
+          <a:chOff x="0" y="0"/>
+          <a:chExt cx="0" cy="0"/>
+        </a:xfrm>
+      </p:grpSpPr>
+      <p:sp>
+        <p:nvSpPr>
+          <p:cNvPr id="2" name="슬라이드 이미지 개체 틀 1"/>
+          <p:cNvSpPr>
+            <a:spLocks noGrp="1" noRot="1" noChangeAspect="1"/>
+          </p:cNvSpPr>
+          <p:nvPr>
+            <p:ph type="sldImg"/>
+          </p:nvPr>
+        </p:nvSpPr>
+        <p:spPr/>
+      </p:sp>
+      <p:sp>
+        <p:nvSpPr>
+          <p:cNvPr id="3" name="슬라이드 노트 개체 틀 2"/>
+          <p:cNvSpPr>
+            <a:spLocks noGrp="1"/>
+          </p:cNvSpPr>
+          <p:nvPr>
+            <p:ph type="body" idx="1"/>
+          </p:nvPr>
+        </p:nvSpPr>
+        <p:spPr/>
+        <p:txBody>
+          <a:bodyPr/>
+          <a:lstStyle/>
+          <a:p>
+            <a:r>
+              <a:rPr lang="ko-KR" altLang="en-US" dirty="0"/>
+              <a:t>로딩 할 경우 </a:t>
+            </a:r>
+            <a:r>
+              <a:rPr lang="ko-KR" altLang="en-US" dirty="0" err="1"/>
+              <a:t>랜더링</a:t>
+            </a:r>
+            <a:endParaRPr lang="en-US" altLang="ko-KR" dirty="0"/>
+          </a:p>
+          <a:p>
+            <a:endParaRPr lang="en-US" altLang="ko-KR" dirty="0"/>
+          </a:p>
+          <a:p>
+            <a:endParaRPr lang="ko-KR" altLang="en-US" dirty="0"/>
+          </a:p>
+        </p:txBody>
+      </p:sp>
+      <p:sp>
+        <p:nvSpPr>
+          <p:cNvPr id="4" name="슬라이드 번호 개체 틀 3"/>
+          <p:cNvSpPr>
+            <a:spLocks noGrp="1"/>
+          </p:cNvSpPr>
+          <p:nvPr>
+            <p:ph type="sldNum" sz="quarter" idx="5"/>
+          </p:nvPr>
+        </p:nvSpPr>
+        <p:spPr/>
+        <p:txBody>
+          <a:bodyPr/>
+          <a:lstStyle/>
+          <a:p>
+            <a:fld id="{8117F77C-B6CF-421A-8449-9463AD185C30}" type="slidenum">
+              <a:rPr lang="ko-KR" altLang="en-US" smtClean="0"/>
+              <a:t>32</a:t>
+            </a:fld>
+            <a:endParaRPr lang="ko-KR" altLang="en-US"/>
+          </a:p>
+        </p:txBody>
+      </p:sp>
+    </p:spTree>
+    <p:extLst>
+      <p:ext uri="{BB962C8B-B14F-4D97-AF65-F5344CB8AC3E}">
+        <p14:creationId xmlns:p14="http://schemas.microsoft.com/office/powerpoint/2010/main" val="725054754"/>
+      </p:ext>
+    </p:extLst>
+  </p:cSld>
+  <p:clrMapOvr>
+    <a:masterClrMapping/>
+  </p:clrMapOvr>
+</p:notes>
+</file>
+
+<file path=ppt/notesSlides/notesSlide28.xml><?xml version="1.0" encoding="utf-8"?>
+<p:notes xmlns:a="http://schemas.openxmlformats.org/drawingml/2006/main" xmlns:r="http://schemas.openxmlformats.org/officeDocument/2006/relationships" xmlns:p="http://schemas.openxmlformats.org/presentationml/2006/main">
+  <p:cSld>
+    <p:spTree>
+      <p:nvGrpSpPr>
+        <p:cNvPr id="1" name=""/>
+        <p:cNvGrpSpPr/>
+        <p:nvPr/>
+      </p:nvGrpSpPr>
+      <p:grpSpPr>
+        <a:xfrm>
+          <a:off x="0" y="0"/>
+          <a:ext cx="0" cy="0"/>
+          <a:chOff x="0" y="0"/>
+          <a:chExt cx="0" cy="0"/>
+        </a:xfrm>
+      </p:grpSpPr>
+      <p:sp>
+        <p:nvSpPr>
+          <p:cNvPr id="2" name="슬라이드 이미지 개체 틀 1"/>
+          <p:cNvSpPr>
+            <a:spLocks noGrp="1" noRot="1" noChangeAspect="1"/>
+          </p:cNvSpPr>
+          <p:nvPr>
+            <p:ph type="sldImg"/>
+          </p:nvPr>
+        </p:nvSpPr>
+        <p:spPr/>
+      </p:sp>
+      <p:sp>
+        <p:nvSpPr>
+          <p:cNvPr id="3" name="슬라이드 노트 개체 틀 2"/>
+          <p:cNvSpPr>
+            <a:spLocks noGrp="1"/>
+          </p:cNvSpPr>
+          <p:nvPr>
+            <p:ph type="body" idx="1"/>
+          </p:nvPr>
+        </p:nvSpPr>
+        <p:spPr/>
+        <p:txBody>
+          <a:bodyPr/>
+          <a:lstStyle/>
+          <a:p>
+            <a:r>
+              <a:rPr lang="ko-KR" altLang="en-US" dirty="0"/>
+              <a:t>화면에 </a:t>
+            </a:r>
+            <a:r>
+              <a:rPr lang="ko-KR" altLang="en-US" dirty="0" err="1"/>
+              <a:t>랜더링을</a:t>
+            </a:r>
+            <a:r>
+              <a:rPr lang="ko-KR" altLang="en-US" dirty="0"/>
+              <a:t> 하는 과정</a:t>
+            </a:r>
+            <a:endParaRPr lang="en-US" altLang="ko-KR" dirty="0"/>
+          </a:p>
+          <a:p>
+            <a:endParaRPr lang="en-US" altLang="ko-KR" dirty="0"/>
+          </a:p>
+          <a:p>
+            <a:endParaRPr lang="ko-KR" altLang="en-US" dirty="0"/>
+          </a:p>
+        </p:txBody>
+      </p:sp>
+      <p:sp>
+        <p:nvSpPr>
+          <p:cNvPr id="4" name="슬라이드 번호 개체 틀 3"/>
+          <p:cNvSpPr>
+            <a:spLocks noGrp="1"/>
+          </p:cNvSpPr>
+          <p:nvPr>
+            <p:ph type="sldNum" sz="quarter" idx="5"/>
+          </p:nvPr>
+        </p:nvSpPr>
+        <p:spPr/>
+        <p:txBody>
+          <a:bodyPr/>
+          <a:lstStyle/>
+          <a:p>
+            <a:fld id="{303C5F93-DBD8-475E-B5C0-664EF94AA899}" type="slidenum">
+              <a:rPr lang="ko-KR" altLang="en-US" smtClean="0"/>
+              <a:t>33</a:t>
+            </a:fld>
+            <a:endParaRPr lang="ko-KR" altLang="en-US"/>
+          </a:p>
+        </p:txBody>
+      </p:sp>
+    </p:spTree>
+    <p:extLst>
+      <p:ext uri="{BB962C8B-B14F-4D97-AF65-F5344CB8AC3E}">
+        <p14:creationId xmlns:p14="http://schemas.microsoft.com/office/powerpoint/2010/main" val="2456122665"/>
+      </p:ext>
+    </p:extLst>
+  </p:cSld>
+  <p:clrMapOvr>
+    <a:masterClrMapping/>
+  </p:clrMapOvr>
+</p:notes>
+</file>
+
+<file path=ppt/notesSlides/notesSlide29.xml><?xml version="1.0" encoding="utf-8"?>
+<p:notes xmlns:a="http://schemas.openxmlformats.org/drawingml/2006/main" xmlns:r="http://schemas.openxmlformats.org/officeDocument/2006/relationships" xmlns:p="http://schemas.openxmlformats.org/presentationml/2006/main">
+  <p:cSld>
+    <p:spTree>
+      <p:nvGrpSpPr>
+        <p:cNvPr id="1" name=""/>
+        <p:cNvGrpSpPr/>
+        <p:nvPr/>
+      </p:nvGrpSpPr>
+      <p:grpSpPr>
+        <a:xfrm>
+          <a:off x="0" y="0"/>
+          <a:ext cx="0" cy="0"/>
+          <a:chOff x="0" y="0"/>
+          <a:chExt cx="0" cy="0"/>
+        </a:xfrm>
+      </p:grpSpPr>
+      <p:sp>
+        <p:nvSpPr>
+          <p:cNvPr id="2" name="슬라이드 이미지 개체 틀 1"/>
+          <p:cNvSpPr>
+            <a:spLocks noGrp="1" noRot="1" noChangeAspect="1"/>
+          </p:cNvSpPr>
+          <p:nvPr>
+            <p:ph type="sldImg"/>
+          </p:nvPr>
+        </p:nvSpPr>
+        <p:spPr/>
+      </p:sp>
+      <p:sp>
+        <p:nvSpPr>
+          <p:cNvPr id="3" name="슬라이드 노트 개체 틀 2"/>
+          <p:cNvSpPr>
+            <a:spLocks noGrp="1"/>
+          </p:cNvSpPr>
+          <p:nvPr>
+            <p:ph type="body" idx="1"/>
+          </p:nvPr>
+        </p:nvSpPr>
+        <p:spPr/>
+        <p:txBody>
+          <a:bodyPr/>
+          <a:lstStyle/>
+          <a:p>
+            <a:r>
+              <a:rPr lang="ko-KR" altLang="en-US" dirty="0"/>
+              <a:t>비동기 프로그램  </a:t>
+            </a:r>
+            <a:r>
+              <a:rPr lang="en-US" altLang="ko-KR" dirty="0"/>
+              <a:t>== </a:t>
+            </a:r>
+            <a:r>
+              <a:rPr lang="ko-KR" altLang="en-US" dirty="0"/>
+              <a:t>하나의 </a:t>
+            </a:r>
+            <a:r>
+              <a:rPr lang="ko-KR" altLang="en-US" dirty="0" err="1"/>
+              <a:t>작업으</a:t>
+            </a:r>
+            <a:r>
+              <a:rPr lang="ko-KR" altLang="en-US" dirty="0"/>
+              <a:t> 끝나지 </a:t>
+            </a:r>
+            <a:r>
+              <a:rPr lang="ko-KR" altLang="en-US" dirty="0" err="1"/>
+              <a:t>않앗음에도</a:t>
+            </a:r>
+            <a:r>
+              <a:rPr lang="ko-KR" altLang="en-US" dirty="0"/>
+              <a:t> 그 작업을 </a:t>
+            </a:r>
+            <a:r>
+              <a:rPr lang="ko-KR" altLang="en-US" dirty="0" err="1"/>
+              <a:t>리턴내고</a:t>
+            </a:r>
+            <a:r>
+              <a:rPr lang="ko-KR" altLang="en-US" dirty="0"/>
+              <a:t> 다른 작업을 하는 것</a:t>
+            </a:r>
+            <a:endParaRPr lang="en-US" altLang="ko-KR" dirty="0"/>
+          </a:p>
+          <a:p>
+            <a:r>
+              <a:rPr lang="ko-KR" altLang="en-US" dirty="0"/>
+              <a:t>동기 프로그램 </a:t>
+            </a:r>
+            <a:r>
+              <a:rPr lang="en-US" altLang="ko-KR" dirty="0"/>
+              <a:t>== </a:t>
+            </a:r>
+            <a:r>
+              <a:rPr lang="ko-KR" altLang="en-US" dirty="0"/>
+              <a:t>보통의 함수는 하나의 함수를 다 실행 후 다음 함수를 실행하는 것이 동기 프로그래밍 </a:t>
+            </a:r>
+            <a:endParaRPr lang="en-US" altLang="ko-KR" dirty="0"/>
+          </a:p>
+        </p:txBody>
+      </p:sp>
+      <p:sp>
+        <p:nvSpPr>
+          <p:cNvPr id="4" name="슬라이드 번호 개체 틀 3"/>
+          <p:cNvSpPr>
+            <a:spLocks noGrp="1"/>
+          </p:cNvSpPr>
+          <p:nvPr>
+            <p:ph type="sldNum" sz="quarter" idx="5"/>
+          </p:nvPr>
+        </p:nvSpPr>
+        <p:spPr/>
+        <p:txBody>
+          <a:bodyPr/>
+          <a:lstStyle/>
+          <a:p>
+            <a:fld id="{8117F77C-B6CF-421A-8449-9463AD185C30}" type="slidenum">
+              <a:rPr lang="ko-KR" altLang="en-US" smtClean="0"/>
+              <a:t>34</a:t>
+            </a:fld>
+            <a:endParaRPr lang="ko-KR" altLang="en-US"/>
+          </a:p>
+        </p:txBody>
+      </p:sp>
+    </p:spTree>
+    <p:extLst>
+      <p:ext uri="{BB962C8B-B14F-4D97-AF65-F5344CB8AC3E}">
+        <p14:creationId xmlns:p14="http://schemas.microsoft.com/office/powerpoint/2010/main" val="1763759734"/>
       </p:ext>
     </p:extLst>
   </p:cSld>
@@ -3777,6 +4319,732 @@
     <p:extLst>
       <p:ext uri="{BB962C8B-B14F-4D97-AF65-F5344CB8AC3E}">
         <p14:creationId xmlns:p14="http://schemas.microsoft.com/office/powerpoint/2010/main" val="573363651"/>
+      </p:ext>
+    </p:extLst>
+  </p:cSld>
+  <p:clrMapOvr>
+    <a:masterClrMapping/>
+  </p:clrMapOvr>
+</p:notes>
+</file>
+
+<file path=ppt/notesSlides/notesSlide30.xml><?xml version="1.0" encoding="utf-8"?>
+<p:notes xmlns:a="http://schemas.openxmlformats.org/drawingml/2006/main" xmlns:r="http://schemas.openxmlformats.org/officeDocument/2006/relationships" xmlns:p="http://schemas.openxmlformats.org/presentationml/2006/main">
+  <p:cSld>
+    <p:spTree>
+      <p:nvGrpSpPr>
+        <p:cNvPr id="1" name=""/>
+        <p:cNvGrpSpPr/>
+        <p:nvPr/>
+      </p:nvGrpSpPr>
+      <p:grpSpPr>
+        <a:xfrm>
+          <a:off x="0" y="0"/>
+          <a:ext cx="0" cy="0"/>
+          <a:chOff x="0" y="0"/>
+          <a:chExt cx="0" cy="0"/>
+        </a:xfrm>
+      </p:grpSpPr>
+      <p:sp>
+        <p:nvSpPr>
+          <p:cNvPr id="2" name="슬라이드 이미지 개체 틀 1"/>
+          <p:cNvSpPr>
+            <a:spLocks noGrp="1" noRot="1" noChangeAspect="1"/>
+          </p:cNvSpPr>
+          <p:nvPr>
+            <p:ph type="sldImg"/>
+          </p:nvPr>
+        </p:nvSpPr>
+        <p:spPr/>
+      </p:sp>
+      <p:sp>
+        <p:nvSpPr>
+          <p:cNvPr id="3" name="슬라이드 노트 개체 틀 2"/>
+          <p:cNvSpPr>
+            <a:spLocks noGrp="1"/>
+          </p:cNvSpPr>
+          <p:nvPr>
+            <p:ph type="body" idx="1"/>
+          </p:nvPr>
+        </p:nvSpPr>
+        <p:spPr/>
+        <p:txBody>
+          <a:bodyPr/>
+          <a:lstStyle/>
+          <a:p>
+            <a:r>
+              <a:rPr lang="ko-KR" altLang="en-US" dirty="0"/>
+              <a:t>하나의 변수에 대해서 </a:t>
+            </a:r>
+            <a:r>
+              <a:rPr lang="en-US" altLang="ko-KR" dirty="0"/>
+              <a:t>4</a:t>
+            </a:r>
+            <a:r>
+              <a:rPr lang="ko-KR" altLang="en-US" dirty="0"/>
+              <a:t>개의 스레드가 접근하여 같은 변수를 다시 읽어오거나 누락을 할 가능성이 있음 </a:t>
+            </a:r>
+            <a:endParaRPr lang="en-US" altLang="ko-KR" dirty="0"/>
+          </a:p>
+          <a:p>
+            <a:r>
+              <a:rPr lang="ko-KR" altLang="en-US" dirty="0"/>
+              <a:t>문맥 교환이 이상하게 일어난 경우 </a:t>
+            </a:r>
+            <a:endParaRPr lang="en-US" altLang="ko-KR" dirty="0"/>
+          </a:p>
+          <a:p>
+            <a:endParaRPr lang="en-US" altLang="ko-KR" dirty="0"/>
+          </a:p>
+          <a:p>
+            <a:r>
+              <a:rPr lang="ko-KR" altLang="en-US" dirty="0" err="1"/>
+              <a:t>원자성</a:t>
+            </a:r>
+            <a:r>
+              <a:rPr lang="ko-KR" altLang="en-US" dirty="0"/>
+              <a:t> </a:t>
+            </a:r>
+            <a:r>
+              <a:rPr lang="en-US" altLang="ko-KR" dirty="0"/>
+              <a:t>== </a:t>
+            </a:r>
+            <a:r>
+              <a:rPr lang="ko-KR" altLang="en-US" dirty="0"/>
+              <a:t>하나의 작업단위가 모두 성공하거나 모두 실패해야 하는 원칙</a:t>
+            </a:r>
+            <a:endParaRPr lang="en-US" altLang="ko-KR" dirty="0"/>
+          </a:p>
+          <a:p>
+            <a:endParaRPr lang="ko-KR" altLang="en-US" dirty="0"/>
+          </a:p>
+        </p:txBody>
+      </p:sp>
+      <p:sp>
+        <p:nvSpPr>
+          <p:cNvPr id="4" name="슬라이드 번호 개체 틀 3"/>
+          <p:cNvSpPr>
+            <a:spLocks noGrp="1"/>
+          </p:cNvSpPr>
+          <p:nvPr>
+            <p:ph type="sldNum" sz="quarter" idx="5"/>
+          </p:nvPr>
+        </p:nvSpPr>
+        <p:spPr/>
+        <p:txBody>
+          <a:bodyPr/>
+          <a:lstStyle/>
+          <a:p>
+            <a:fld id="{8117F77C-B6CF-421A-8449-9463AD185C30}" type="slidenum">
+              <a:rPr lang="ko-KR" altLang="en-US" smtClean="0"/>
+              <a:t>35</a:t>
+            </a:fld>
+            <a:endParaRPr lang="ko-KR" altLang="en-US"/>
+          </a:p>
+        </p:txBody>
+      </p:sp>
+    </p:spTree>
+    <p:extLst>
+      <p:ext uri="{BB962C8B-B14F-4D97-AF65-F5344CB8AC3E}">
+        <p14:creationId xmlns:p14="http://schemas.microsoft.com/office/powerpoint/2010/main" val="1349311182"/>
+      </p:ext>
+    </p:extLst>
+  </p:cSld>
+  <p:clrMapOvr>
+    <a:masterClrMapping/>
+  </p:clrMapOvr>
+</p:notes>
+</file>
+
+<file path=ppt/notesSlides/notesSlide31.xml><?xml version="1.0" encoding="utf-8"?>
+<p:notes xmlns:a="http://schemas.openxmlformats.org/drawingml/2006/main" xmlns:r="http://schemas.openxmlformats.org/officeDocument/2006/relationships" xmlns:p="http://schemas.openxmlformats.org/presentationml/2006/main">
+  <p:cSld>
+    <p:spTree>
+      <p:nvGrpSpPr>
+        <p:cNvPr id="1" name=""/>
+        <p:cNvGrpSpPr/>
+        <p:nvPr/>
+      </p:nvGrpSpPr>
+      <p:grpSpPr>
+        <a:xfrm>
+          <a:off x="0" y="0"/>
+          <a:ext cx="0" cy="0"/>
+          <a:chOff x="0" y="0"/>
+          <a:chExt cx="0" cy="0"/>
+        </a:xfrm>
+      </p:grpSpPr>
+      <p:sp>
+        <p:nvSpPr>
+          <p:cNvPr id="2" name="슬라이드 이미지 개체 틀 1"/>
+          <p:cNvSpPr>
+            <a:spLocks noGrp="1" noRot="1" noChangeAspect="1"/>
+          </p:cNvSpPr>
+          <p:nvPr>
+            <p:ph type="sldImg"/>
+          </p:nvPr>
+        </p:nvSpPr>
+        <p:spPr/>
+      </p:sp>
+      <p:sp>
+        <p:nvSpPr>
+          <p:cNvPr id="3" name="슬라이드 노트 개체 틀 2"/>
+          <p:cNvSpPr>
+            <a:spLocks noGrp="1"/>
+          </p:cNvSpPr>
+          <p:nvPr>
+            <p:ph type="body" idx="1"/>
+          </p:nvPr>
+        </p:nvSpPr>
+        <p:spPr/>
+        <p:txBody>
+          <a:bodyPr/>
+          <a:lstStyle/>
+          <a:p>
+            <a:endParaRPr lang="ko-KR" altLang="en-US" dirty="0"/>
+          </a:p>
+        </p:txBody>
+      </p:sp>
+      <p:sp>
+        <p:nvSpPr>
+          <p:cNvPr id="4" name="슬라이드 번호 개체 틀 3"/>
+          <p:cNvSpPr>
+            <a:spLocks noGrp="1"/>
+          </p:cNvSpPr>
+          <p:nvPr>
+            <p:ph type="sldNum" sz="quarter" idx="5"/>
+          </p:nvPr>
+        </p:nvSpPr>
+        <p:spPr/>
+        <p:txBody>
+          <a:bodyPr/>
+          <a:lstStyle/>
+          <a:p>
+            <a:fld id="{8117F77C-B6CF-421A-8449-9463AD185C30}" type="slidenum">
+              <a:rPr lang="ko-KR" altLang="en-US" smtClean="0"/>
+              <a:t>36</a:t>
+            </a:fld>
+            <a:endParaRPr lang="ko-KR" altLang="en-US"/>
+          </a:p>
+        </p:txBody>
+      </p:sp>
+    </p:spTree>
+    <p:extLst>
+      <p:ext uri="{BB962C8B-B14F-4D97-AF65-F5344CB8AC3E}">
+        <p14:creationId xmlns:p14="http://schemas.microsoft.com/office/powerpoint/2010/main" val="1845629148"/>
+      </p:ext>
+    </p:extLst>
+  </p:cSld>
+  <p:clrMapOvr>
+    <a:masterClrMapping/>
+  </p:clrMapOvr>
+</p:notes>
+</file>
+
+<file path=ppt/notesSlides/notesSlide32.xml><?xml version="1.0" encoding="utf-8"?>
+<p:notes xmlns:a="http://schemas.openxmlformats.org/drawingml/2006/main" xmlns:r="http://schemas.openxmlformats.org/officeDocument/2006/relationships" xmlns:p="http://schemas.openxmlformats.org/presentationml/2006/main">
+  <p:cSld>
+    <p:spTree>
+      <p:nvGrpSpPr>
+        <p:cNvPr id="1" name=""/>
+        <p:cNvGrpSpPr/>
+        <p:nvPr/>
+      </p:nvGrpSpPr>
+      <p:grpSpPr>
+        <a:xfrm>
+          <a:off x="0" y="0"/>
+          <a:ext cx="0" cy="0"/>
+          <a:chOff x="0" y="0"/>
+          <a:chExt cx="0" cy="0"/>
+        </a:xfrm>
+      </p:grpSpPr>
+      <p:sp>
+        <p:nvSpPr>
+          <p:cNvPr id="2" name="슬라이드 이미지 개체 틀 1"/>
+          <p:cNvSpPr>
+            <a:spLocks noGrp="1" noRot="1" noChangeAspect="1"/>
+          </p:cNvSpPr>
+          <p:nvPr>
+            <p:ph type="sldImg"/>
+          </p:nvPr>
+        </p:nvSpPr>
+        <p:spPr/>
+      </p:sp>
+      <p:sp>
+        <p:nvSpPr>
+          <p:cNvPr id="3" name="슬라이드 노트 개체 틀 2"/>
+          <p:cNvSpPr>
+            <a:spLocks noGrp="1"/>
+          </p:cNvSpPr>
+          <p:nvPr>
+            <p:ph type="body" idx="1"/>
+          </p:nvPr>
+        </p:nvSpPr>
+        <p:spPr/>
+        <p:txBody>
+          <a:bodyPr/>
+          <a:lstStyle/>
+          <a:p>
+            <a:r>
+              <a:rPr lang="ko-KR" altLang="en-US" dirty="0"/>
+              <a:t>문맥 교환을 할 때 레지스터에 존재하는 값들은 삭제된다</a:t>
+            </a:r>
+            <a:r>
+              <a:rPr lang="en-US" altLang="ko-KR" dirty="0"/>
+              <a:t>.</a:t>
+            </a:r>
+          </a:p>
+          <a:p>
+            <a:endParaRPr lang="ko-KR" altLang="en-US" dirty="0"/>
+          </a:p>
+        </p:txBody>
+      </p:sp>
+      <p:sp>
+        <p:nvSpPr>
+          <p:cNvPr id="4" name="슬라이드 번호 개체 틀 3"/>
+          <p:cNvSpPr>
+            <a:spLocks noGrp="1"/>
+          </p:cNvSpPr>
+          <p:nvPr>
+            <p:ph type="sldNum" sz="quarter" idx="5"/>
+          </p:nvPr>
+        </p:nvSpPr>
+        <p:spPr/>
+        <p:txBody>
+          <a:bodyPr/>
+          <a:lstStyle/>
+          <a:p>
+            <a:fld id="{8117F77C-B6CF-421A-8449-9463AD185C30}" type="slidenum">
+              <a:rPr lang="ko-KR" altLang="en-US" smtClean="0"/>
+              <a:t>37</a:t>
+            </a:fld>
+            <a:endParaRPr lang="ko-KR" altLang="en-US"/>
+          </a:p>
+        </p:txBody>
+      </p:sp>
+    </p:spTree>
+    <p:extLst>
+      <p:ext uri="{BB962C8B-B14F-4D97-AF65-F5344CB8AC3E}">
+        <p14:creationId xmlns:p14="http://schemas.microsoft.com/office/powerpoint/2010/main" val="3807185410"/>
+      </p:ext>
+    </p:extLst>
+  </p:cSld>
+  <p:clrMapOvr>
+    <a:masterClrMapping/>
+  </p:clrMapOvr>
+</p:notes>
+</file>
+
+<file path=ppt/notesSlides/notesSlide33.xml><?xml version="1.0" encoding="utf-8"?>
+<p:notes xmlns:a="http://schemas.openxmlformats.org/drawingml/2006/main" xmlns:r="http://schemas.openxmlformats.org/officeDocument/2006/relationships" xmlns:p="http://schemas.openxmlformats.org/presentationml/2006/main">
+  <p:cSld>
+    <p:spTree>
+      <p:nvGrpSpPr>
+        <p:cNvPr id="1" name=""/>
+        <p:cNvGrpSpPr/>
+        <p:nvPr/>
+      </p:nvGrpSpPr>
+      <p:grpSpPr>
+        <a:xfrm>
+          <a:off x="0" y="0"/>
+          <a:ext cx="0" cy="0"/>
+          <a:chOff x="0" y="0"/>
+          <a:chExt cx="0" cy="0"/>
+        </a:xfrm>
+      </p:grpSpPr>
+      <p:sp>
+        <p:nvSpPr>
+          <p:cNvPr id="2" name="슬라이드 이미지 개체 틀 1"/>
+          <p:cNvSpPr>
+            <a:spLocks noGrp="1" noRot="1" noChangeAspect="1"/>
+          </p:cNvSpPr>
+          <p:nvPr>
+            <p:ph type="sldImg"/>
+          </p:nvPr>
+        </p:nvSpPr>
+        <p:spPr/>
+      </p:sp>
+      <p:sp>
+        <p:nvSpPr>
+          <p:cNvPr id="3" name="슬라이드 노트 개체 틀 2"/>
+          <p:cNvSpPr>
+            <a:spLocks noGrp="1"/>
+          </p:cNvSpPr>
+          <p:nvPr>
+            <p:ph type="body" idx="1"/>
+          </p:nvPr>
+        </p:nvSpPr>
+        <p:spPr/>
+        <p:txBody>
+          <a:bodyPr/>
+          <a:lstStyle/>
+          <a:p>
+            <a:r>
+              <a:rPr lang="ko-KR" altLang="en-US" dirty="0"/>
+              <a:t>멀티 스레드는 원자성을 잘 고려해야 함</a:t>
+            </a:r>
+            <a:endParaRPr lang="en-US" altLang="ko-KR" dirty="0"/>
+          </a:p>
+          <a:p>
+            <a:endParaRPr lang="en-US" altLang="ko-KR" dirty="0"/>
+          </a:p>
+          <a:p>
+            <a:r>
+              <a:rPr lang="ko-KR" altLang="en-US" dirty="0"/>
+              <a:t> </a:t>
+            </a:r>
+          </a:p>
+        </p:txBody>
+      </p:sp>
+      <p:sp>
+        <p:nvSpPr>
+          <p:cNvPr id="4" name="슬라이드 번호 개체 틀 3"/>
+          <p:cNvSpPr>
+            <a:spLocks noGrp="1"/>
+          </p:cNvSpPr>
+          <p:nvPr>
+            <p:ph type="sldNum" sz="quarter" idx="5"/>
+          </p:nvPr>
+        </p:nvSpPr>
+        <p:spPr/>
+        <p:txBody>
+          <a:bodyPr/>
+          <a:lstStyle/>
+          <a:p>
+            <a:fld id="{8117F77C-B6CF-421A-8449-9463AD185C30}" type="slidenum">
+              <a:rPr lang="ko-KR" altLang="en-US" smtClean="0"/>
+              <a:t>38</a:t>
+            </a:fld>
+            <a:endParaRPr lang="ko-KR" altLang="en-US"/>
+          </a:p>
+        </p:txBody>
+      </p:sp>
+    </p:spTree>
+    <p:extLst>
+      <p:ext uri="{BB962C8B-B14F-4D97-AF65-F5344CB8AC3E}">
+        <p14:creationId xmlns:p14="http://schemas.microsoft.com/office/powerpoint/2010/main" val="1500791031"/>
+      </p:ext>
+    </p:extLst>
+  </p:cSld>
+  <p:clrMapOvr>
+    <a:masterClrMapping/>
+  </p:clrMapOvr>
+</p:notes>
+</file>
+
+<file path=ppt/notesSlides/notesSlide34.xml><?xml version="1.0" encoding="utf-8"?>
+<p:notes xmlns:a="http://schemas.openxmlformats.org/drawingml/2006/main" xmlns:r="http://schemas.openxmlformats.org/officeDocument/2006/relationships" xmlns:p="http://schemas.openxmlformats.org/presentationml/2006/main">
+  <p:cSld>
+    <p:spTree>
+      <p:nvGrpSpPr>
+        <p:cNvPr id="1" name=""/>
+        <p:cNvGrpSpPr/>
+        <p:nvPr/>
+      </p:nvGrpSpPr>
+      <p:grpSpPr>
+        <a:xfrm>
+          <a:off x="0" y="0"/>
+          <a:ext cx="0" cy="0"/>
+          <a:chOff x="0" y="0"/>
+          <a:chExt cx="0" cy="0"/>
+        </a:xfrm>
+      </p:grpSpPr>
+      <p:sp>
+        <p:nvSpPr>
+          <p:cNvPr id="2" name="슬라이드 이미지 개체 틀 1"/>
+          <p:cNvSpPr>
+            <a:spLocks noGrp="1" noRot="1" noChangeAspect="1"/>
+          </p:cNvSpPr>
+          <p:nvPr>
+            <p:ph type="sldImg"/>
+          </p:nvPr>
+        </p:nvSpPr>
+        <p:spPr/>
+      </p:sp>
+      <p:sp>
+        <p:nvSpPr>
+          <p:cNvPr id="3" name="슬라이드 노트 개체 틀 2"/>
+          <p:cNvSpPr>
+            <a:spLocks noGrp="1"/>
+          </p:cNvSpPr>
+          <p:nvPr>
+            <p:ph type="body" idx="1"/>
+          </p:nvPr>
+        </p:nvSpPr>
+        <p:spPr/>
+        <p:txBody>
+          <a:bodyPr/>
+          <a:lstStyle/>
+          <a:p>
+            <a:endParaRPr lang="ko-KR" altLang="en-US" dirty="0"/>
+          </a:p>
+        </p:txBody>
+      </p:sp>
+      <p:sp>
+        <p:nvSpPr>
+          <p:cNvPr id="4" name="슬라이드 번호 개체 틀 3"/>
+          <p:cNvSpPr>
+            <a:spLocks noGrp="1"/>
+          </p:cNvSpPr>
+          <p:nvPr>
+            <p:ph type="sldNum" sz="quarter" idx="5"/>
+          </p:nvPr>
+        </p:nvSpPr>
+        <p:spPr/>
+        <p:txBody>
+          <a:bodyPr/>
+          <a:lstStyle/>
+          <a:p>
+            <a:fld id="{8117F77C-B6CF-421A-8449-9463AD185C30}" type="slidenum">
+              <a:rPr lang="ko-KR" altLang="en-US" smtClean="0"/>
+              <a:t>42</a:t>
+            </a:fld>
+            <a:endParaRPr lang="ko-KR" altLang="en-US"/>
+          </a:p>
+        </p:txBody>
+      </p:sp>
+    </p:spTree>
+    <p:extLst>
+      <p:ext uri="{BB962C8B-B14F-4D97-AF65-F5344CB8AC3E}">
+        <p14:creationId xmlns:p14="http://schemas.microsoft.com/office/powerpoint/2010/main" val="2967448975"/>
+      </p:ext>
+    </p:extLst>
+  </p:cSld>
+  <p:clrMapOvr>
+    <a:masterClrMapping/>
+  </p:clrMapOvr>
+</p:notes>
+</file>
+
+<file path=ppt/notesSlides/notesSlide35.xml><?xml version="1.0" encoding="utf-8"?>
+<p:notes xmlns:a="http://schemas.openxmlformats.org/drawingml/2006/main" xmlns:r="http://schemas.openxmlformats.org/officeDocument/2006/relationships" xmlns:p="http://schemas.openxmlformats.org/presentationml/2006/main">
+  <p:cSld>
+    <p:spTree>
+      <p:nvGrpSpPr>
+        <p:cNvPr id="1" name=""/>
+        <p:cNvGrpSpPr/>
+        <p:nvPr/>
+      </p:nvGrpSpPr>
+      <p:grpSpPr>
+        <a:xfrm>
+          <a:off x="0" y="0"/>
+          <a:ext cx="0" cy="0"/>
+          <a:chOff x="0" y="0"/>
+          <a:chExt cx="0" cy="0"/>
+        </a:xfrm>
+      </p:grpSpPr>
+      <p:sp>
+        <p:nvSpPr>
+          <p:cNvPr id="2" name="슬라이드 이미지 개체 틀 1"/>
+          <p:cNvSpPr>
+            <a:spLocks noGrp="1" noRot="1" noChangeAspect="1"/>
+          </p:cNvSpPr>
+          <p:nvPr>
+            <p:ph type="sldImg"/>
+          </p:nvPr>
+        </p:nvSpPr>
+        <p:spPr/>
+      </p:sp>
+      <p:sp>
+        <p:nvSpPr>
+          <p:cNvPr id="3" name="슬라이드 노트 개체 틀 2"/>
+          <p:cNvSpPr>
+            <a:spLocks noGrp="1"/>
+          </p:cNvSpPr>
+          <p:nvPr>
+            <p:ph type="body" idx="1"/>
+          </p:nvPr>
+        </p:nvSpPr>
+        <p:spPr/>
+        <p:txBody>
+          <a:bodyPr/>
+          <a:lstStyle/>
+          <a:p>
+            <a:r>
+              <a:rPr lang="ko-KR" altLang="en-US" dirty="0" err="1"/>
+              <a:t>코루틴</a:t>
+            </a:r>
+            <a:r>
+              <a:rPr lang="ko-KR" altLang="en-US" dirty="0"/>
+              <a:t> </a:t>
+            </a:r>
+            <a:r>
+              <a:rPr lang="en-US" altLang="ko-KR" dirty="0"/>
+              <a:t>== </a:t>
+            </a:r>
+            <a:r>
+              <a:rPr lang="ko-KR" altLang="en-US" dirty="0"/>
+              <a:t>분기를 가져가 프로그램을 실행을 하다가 끊고 다른 것을 하다가 와서 다시 프로그램을 실행</a:t>
+            </a:r>
+            <a:endParaRPr lang="en-US" altLang="ko-KR" dirty="0"/>
+          </a:p>
+          <a:p>
+            <a:endParaRPr lang="en-US" altLang="ko-KR" dirty="0"/>
+          </a:p>
+          <a:p>
+            <a:r>
+              <a:rPr lang="ko-KR" altLang="en-US" dirty="0"/>
+              <a:t>동시에 실행 할 것이기 </a:t>
+            </a:r>
+            <a:r>
+              <a:rPr lang="ko-KR" altLang="en-US" dirty="0" err="1"/>
+              <a:t>떄문에</a:t>
+            </a:r>
+            <a:r>
+              <a:rPr lang="ko-KR" altLang="en-US" dirty="0"/>
+              <a:t> </a:t>
+            </a:r>
+            <a:r>
+              <a:rPr lang="ko-KR" altLang="en-US" dirty="0" err="1"/>
+              <a:t>락은</a:t>
+            </a:r>
+            <a:r>
+              <a:rPr lang="ko-KR" altLang="en-US" dirty="0"/>
+              <a:t> </a:t>
+            </a:r>
+            <a:r>
+              <a:rPr lang="ko-KR" altLang="en-US" dirty="0" err="1"/>
+              <a:t>잠구지</a:t>
+            </a:r>
+            <a:r>
+              <a:rPr lang="ko-KR" altLang="en-US" dirty="0"/>
+              <a:t> 않는 것이 제일</a:t>
+            </a:r>
+            <a:endParaRPr lang="en-US" altLang="ko-KR" dirty="0"/>
+          </a:p>
+          <a:p>
+            <a:endParaRPr lang="en-US" altLang="ko-KR" dirty="0"/>
+          </a:p>
+          <a:p>
+            <a:endParaRPr lang="ko-KR" altLang="en-US" dirty="0"/>
+          </a:p>
+        </p:txBody>
+      </p:sp>
+      <p:sp>
+        <p:nvSpPr>
+          <p:cNvPr id="4" name="슬라이드 번호 개체 틀 3"/>
+          <p:cNvSpPr>
+            <a:spLocks noGrp="1"/>
+          </p:cNvSpPr>
+          <p:nvPr>
+            <p:ph type="sldNum" sz="quarter" idx="5"/>
+          </p:nvPr>
+        </p:nvSpPr>
+        <p:spPr/>
+        <p:txBody>
+          <a:bodyPr/>
+          <a:lstStyle/>
+          <a:p>
+            <a:fld id="{303C5F93-DBD8-475E-B5C0-664EF94AA899}" type="slidenum">
+              <a:rPr lang="ko-KR" altLang="en-US" smtClean="0"/>
+              <a:t>43</a:t>
+            </a:fld>
+            <a:endParaRPr lang="ko-KR" altLang="en-US"/>
+          </a:p>
+        </p:txBody>
+      </p:sp>
+    </p:spTree>
+    <p:extLst>
+      <p:ext uri="{BB962C8B-B14F-4D97-AF65-F5344CB8AC3E}">
+        <p14:creationId xmlns:p14="http://schemas.microsoft.com/office/powerpoint/2010/main" val="422574836"/>
+      </p:ext>
+    </p:extLst>
+  </p:cSld>
+  <p:clrMapOvr>
+    <a:masterClrMapping/>
+  </p:clrMapOvr>
+</p:notes>
+</file>
+
+<file path=ppt/notesSlides/notesSlide36.xml><?xml version="1.0" encoding="utf-8"?>
+<p:notes xmlns:a="http://schemas.openxmlformats.org/drawingml/2006/main" xmlns:r="http://schemas.openxmlformats.org/officeDocument/2006/relationships" xmlns:p="http://schemas.openxmlformats.org/presentationml/2006/main">
+  <p:cSld>
+    <p:spTree>
+      <p:nvGrpSpPr>
+        <p:cNvPr id="1" name=""/>
+        <p:cNvGrpSpPr/>
+        <p:nvPr/>
+      </p:nvGrpSpPr>
+      <p:grpSpPr>
+        <a:xfrm>
+          <a:off x="0" y="0"/>
+          <a:ext cx="0" cy="0"/>
+          <a:chOff x="0" y="0"/>
+          <a:chExt cx="0" cy="0"/>
+        </a:xfrm>
+      </p:grpSpPr>
+      <p:sp>
+        <p:nvSpPr>
+          <p:cNvPr id="2" name="슬라이드 이미지 개체 틀 1"/>
+          <p:cNvSpPr>
+            <a:spLocks noGrp="1" noRot="1" noChangeAspect="1"/>
+          </p:cNvSpPr>
+          <p:nvPr>
+            <p:ph type="sldImg"/>
+          </p:nvPr>
+        </p:nvSpPr>
+        <p:spPr/>
+      </p:sp>
+      <p:sp>
+        <p:nvSpPr>
+          <p:cNvPr id="3" name="슬라이드 노트 개체 틀 2"/>
+          <p:cNvSpPr>
+            <a:spLocks noGrp="1"/>
+          </p:cNvSpPr>
+          <p:nvPr>
+            <p:ph type="body" idx="1"/>
+          </p:nvPr>
+        </p:nvSpPr>
+        <p:spPr/>
+        <p:txBody>
+          <a:bodyPr/>
+          <a:lstStyle/>
+          <a:p>
+            <a:r>
+              <a:rPr lang="ko-KR" altLang="en-US" dirty="0"/>
+              <a:t>스레드가 </a:t>
+            </a:r>
+            <a:r>
+              <a:rPr lang="ko-KR" altLang="en-US" dirty="0" err="1"/>
+              <a:t>뭔지</a:t>
+            </a:r>
+            <a:r>
+              <a:rPr lang="ko-KR" altLang="en-US" dirty="0"/>
+              <a:t> 스레드를 </a:t>
+            </a:r>
+            <a:r>
+              <a:rPr lang="ko-KR" altLang="en-US"/>
+              <a:t>짜다가 어떤 문제가 발생하는 지</a:t>
+            </a:r>
+          </a:p>
+        </p:txBody>
+      </p:sp>
+      <p:sp>
+        <p:nvSpPr>
+          <p:cNvPr id="4" name="슬라이드 번호 개체 틀 3"/>
+          <p:cNvSpPr>
+            <a:spLocks noGrp="1"/>
+          </p:cNvSpPr>
+          <p:nvPr>
+            <p:ph type="sldNum" sz="quarter" idx="5"/>
+          </p:nvPr>
+        </p:nvSpPr>
+        <p:spPr/>
+        <p:txBody>
+          <a:bodyPr/>
+          <a:lstStyle/>
+          <a:p>
+            <a:fld id="{8117F77C-B6CF-421A-8449-9463AD185C30}" type="slidenum">
+              <a:rPr lang="ko-KR" altLang="en-US" smtClean="0"/>
+              <a:t>44</a:t>
+            </a:fld>
+            <a:endParaRPr lang="ko-KR" altLang="en-US"/>
+          </a:p>
+        </p:txBody>
+      </p:sp>
+    </p:spTree>
+    <p:extLst>
+      <p:ext uri="{BB962C8B-B14F-4D97-AF65-F5344CB8AC3E}">
+        <p14:creationId xmlns:p14="http://schemas.microsoft.com/office/powerpoint/2010/main" val="3448872149"/>
       </p:ext>
     </p:extLst>
   </p:cSld>
@@ -4625,7 +5893,7 @@
           <a:p>
             <a:fld id="{624DAA59-B3BD-446B-86F3-7658033B657F}" type="datetimeFigureOut">
               <a:rPr lang="ko-KR" altLang="en-US" smtClean="0"/>
-              <a:t>2025-09-11</a:t>
+              <a:t>2025-09-15</a:t>
             </a:fld>
             <a:endParaRPr lang="ko-KR" altLang="en-US"/>
           </a:p>
@@ -4823,7 +6091,7 @@
           <a:p>
             <a:fld id="{624DAA59-B3BD-446B-86F3-7658033B657F}" type="datetimeFigureOut">
               <a:rPr lang="ko-KR" altLang="en-US" smtClean="0"/>
-              <a:t>2025-09-11</a:t>
+              <a:t>2025-09-15</a:t>
             </a:fld>
             <a:endParaRPr lang="ko-KR" altLang="en-US"/>
           </a:p>
@@ -5031,7 +6299,7 @@
           <a:p>
             <a:fld id="{624DAA59-B3BD-446B-86F3-7658033B657F}" type="datetimeFigureOut">
               <a:rPr lang="ko-KR" altLang="en-US" smtClean="0"/>
-              <a:t>2025-09-11</a:t>
+              <a:t>2025-09-15</a:t>
             </a:fld>
             <a:endParaRPr lang="ko-KR" altLang="en-US"/>
           </a:p>
@@ -5297,7 +6565,7 @@
           <a:p>
             <a:fld id="{624DAA59-B3BD-446B-86F3-7658033B657F}" type="datetimeFigureOut">
               <a:rPr lang="ko-KR" altLang="en-US" smtClean="0"/>
-              <a:t>2025-09-11</a:t>
+              <a:t>2025-09-15</a:t>
             </a:fld>
             <a:endParaRPr lang="ko-KR" altLang="en-US"/>
           </a:p>
@@ -5572,7 +6840,7 @@
           <a:p>
             <a:fld id="{624DAA59-B3BD-446B-86F3-7658033B657F}" type="datetimeFigureOut">
               <a:rPr lang="ko-KR" altLang="en-US" smtClean="0"/>
-              <a:t>2025-09-11</a:t>
+              <a:t>2025-09-15</a:t>
             </a:fld>
             <a:endParaRPr lang="ko-KR" altLang="en-US"/>
           </a:p>
@@ -5837,7 +7105,7 @@
           <a:p>
             <a:fld id="{624DAA59-B3BD-446B-86F3-7658033B657F}" type="datetimeFigureOut">
               <a:rPr lang="ko-KR" altLang="en-US" smtClean="0"/>
-              <a:t>2025-09-11</a:t>
+              <a:t>2025-09-15</a:t>
             </a:fld>
             <a:endParaRPr lang="ko-KR" altLang="en-US"/>
           </a:p>
@@ -6249,7 +7517,7 @@
           <a:p>
             <a:fld id="{624DAA59-B3BD-446B-86F3-7658033B657F}" type="datetimeFigureOut">
               <a:rPr lang="ko-KR" altLang="en-US" smtClean="0"/>
-              <a:t>2025-09-11</a:t>
+              <a:t>2025-09-15</a:t>
             </a:fld>
             <a:endParaRPr lang="ko-KR" altLang="en-US"/>
           </a:p>
@@ -6390,7 +7658,7 @@
           <a:p>
             <a:fld id="{624DAA59-B3BD-446B-86F3-7658033B657F}" type="datetimeFigureOut">
               <a:rPr lang="ko-KR" altLang="en-US" smtClean="0"/>
-              <a:t>2025-09-11</a:t>
+              <a:t>2025-09-15</a:t>
             </a:fld>
             <a:endParaRPr lang="ko-KR" altLang="en-US"/>
           </a:p>
@@ -6503,7 +7771,7 @@
           <a:p>
             <a:fld id="{624DAA59-B3BD-446B-86F3-7658033B657F}" type="datetimeFigureOut">
               <a:rPr lang="ko-KR" altLang="en-US" smtClean="0"/>
-              <a:t>2025-09-11</a:t>
+              <a:t>2025-09-15</a:t>
             </a:fld>
             <a:endParaRPr lang="ko-KR" altLang="en-US"/>
           </a:p>
@@ -6814,7 +8082,7 @@
           <a:p>
             <a:fld id="{624DAA59-B3BD-446B-86F3-7658033B657F}" type="datetimeFigureOut">
               <a:rPr lang="ko-KR" altLang="en-US" smtClean="0"/>
-              <a:t>2025-09-11</a:t>
+              <a:t>2025-09-15</a:t>
             </a:fld>
             <a:endParaRPr lang="ko-KR" altLang="en-US"/>
           </a:p>
@@ -7102,7 +8370,7 @@
           <a:p>
             <a:fld id="{624DAA59-B3BD-446B-86F3-7658033B657F}" type="datetimeFigureOut">
               <a:rPr lang="ko-KR" altLang="en-US" smtClean="0"/>
-              <a:t>2025-09-11</a:t>
+              <a:t>2025-09-15</a:t>
             </a:fld>
             <a:endParaRPr lang="ko-KR" altLang="en-US"/>
           </a:p>
@@ -7343,7 +8611,7 @@
           <a:p>
             <a:fld id="{624DAA59-B3BD-446B-86F3-7658033B657F}" type="datetimeFigureOut">
               <a:rPr lang="ko-KR" altLang="en-US" smtClean="0"/>
-              <a:t>2025-09-11</a:t>
+              <a:t>2025-09-15</a:t>
             </a:fld>
             <a:endParaRPr lang="ko-KR" altLang="en-US"/>
           </a:p>
@@ -15626,7 +16894,7 @@
           <p:nvPr/>
         </p:nvPicPr>
         <p:blipFill>
-          <a:blip r:embed="rId2">
+          <a:blip r:embed="rId3">
             <a:extLst>
               <a:ext uri="{28A0092B-C50C-407E-A947-70E740481C1C}">
                 <a14:useLocalDpi xmlns:a14="http://schemas.microsoft.com/office/drawing/2010/main" val="0"/>
@@ -16122,7 +17390,7 @@
           <p:nvPr/>
         </p:nvPicPr>
         <p:blipFill>
-          <a:blip r:embed="rId2">
+          <a:blip r:embed="rId3">
             <a:extLst>
               <a:ext uri="{28A0092B-C50C-407E-A947-70E740481C1C}">
                 <a14:useLocalDpi xmlns:a14="http://schemas.microsoft.com/office/drawing/2010/main" val="0"/>
@@ -16992,7 +18260,7 @@
             <p:nvPr/>
           </p:nvPicPr>
           <p:blipFill>
-            <a:blip r:embed="rId2"/>
+            <a:blip r:embed="rId3"/>
             <a:stretch>
               <a:fillRect/>
             </a:stretch>
@@ -17272,7 +18540,7 @@
             <p:nvPr/>
           </p:nvPicPr>
           <p:blipFill>
-            <a:blip r:embed="rId3"/>
+            <a:blip r:embed="rId4"/>
             <a:stretch>
               <a:fillRect/>
             </a:stretch>
@@ -17492,7 +18760,7 @@
             <p:nvPr/>
           </p:nvPicPr>
           <p:blipFill>
-            <a:blip r:embed="rId4"/>
+            <a:blip r:embed="rId5"/>
             <a:stretch>
               <a:fillRect/>
             </a:stretch>
@@ -22736,7 +24004,7 @@
           <p:nvPr/>
         </p:nvPicPr>
         <p:blipFill>
-          <a:blip r:embed="rId2"/>
+          <a:blip r:embed="rId3"/>
           <a:stretch>
             <a:fillRect/>
           </a:stretch>
@@ -22773,7 +24041,7 @@
           <p:nvPr/>
         </p:nvPicPr>
         <p:blipFill>
-          <a:blip r:embed="rId3"/>
+          <a:blip r:embed="rId4"/>
           <a:stretch>
             <a:fillRect/>
           </a:stretch>
@@ -24258,7 +25526,7 @@
             <p:nvPr/>
           </p:nvPicPr>
           <p:blipFill>
-            <a:blip r:embed="rId2"/>
+            <a:blip r:embed="rId3"/>
             <a:stretch>
               <a:fillRect/>
             </a:stretch>
@@ -34526,7 +35794,7 @@
           <p:nvPr/>
         </p:nvPicPr>
         <p:blipFill>
-          <a:blip r:embed="rId2"/>
+          <a:blip r:embed="rId3"/>
           <a:stretch>
             <a:fillRect/>
           </a:stretch>
